--- a/docs/diagrams/FindModuleSequenceDiagram.pptx
+++ b/docs/diagrams/FindModuleSequenceDiagram.pptx
@@ -3454,7 +3454,7 @@
         </p:nvSpPr>
         <p:spPr>
           <a:xfrm>
-            <a:off x="1295400" y="762000"/>
+            <a:off x="-339802" y="1977341"/>
             <a:ext cx="8847118" cy="4343400"/>
           </a:xfrm>
           <a:prstGeom prst="roundRect">
@@ -3515,7 +3515,7 @@
         </p:nvSpPr>
         <p:spPr>
           <a:xfrm>
-            <a:off x="1454645" y="1077346"/>
+            <a:off x="-180557" y="2292687"/>
             <a:ext cx="1455629" cy="346760"/>
           </a:xfrm>
           <a:prstGeom prst="rect">
@@ -3584,7 +3584,7 @@
         </p:nvCxnSpPr>
         <p:spPr>
           <a:xfrm>
-            <a:off x="2182459" y="1441017"/>
+            <a:off x="547257" y="2656358"/>
             <a:ext cx="0" cy="3481399"/>
           </a:xfrm>
           <a:prstGeom prst="line">
@@ -3621,7 +3621,7 @@
         </p:nvSpPr>
         <p:spPr>
           <a:xfrm>
-            <a:off x="2110451" y="1791711"/>
+            <a:off x="475249" y="3007052"/>
             <a:ext cx="152400" cy="2932689"/>
           </a:xfrm>
           <a:prstGeom prst="rect">
@@ -3668,7 +3668,7 @@
         </p:nvSpPr>
         <p:spPr>
           <a:xfrm>
-            <a:off x="4008688" y="956422"/>
+            <a:off x="2373486" y="2171763"/>
             <a:ext cx="1219200" cy="467684"/>
           </a:xfrm>
           <a:prstGeom prst="rect">
@@ -3740,7 +3740,7 @@
         </p:nvCxnSpPr>
         <p:spPr>
           <a:xfrm>
-            <a:off x="4622087" y="1441017"/>
+            <a:off x="2986885" y="2656358"/>
             <a:ext cx="0" cy="1482984"/>
           </a:xfrm>
           <a:prstGeom prst="line">
@@ -3777,7 +3777,7 @@
         </p:nvSpPr>
         <p:spPr>
           <a:xfrm>
-            <a:off x="4550080" y="1899210"/>
+            <a:off x="2914878" y="3114551"/>
             <a:ext cx="154408" cy="767790"/>
           </a:xfrm>
           <a:prstGeom prst="rect">
@@ -3831,7 +3831,7 @@
         </p:nvCxnSpPr>
         <p:spPr>
           <a:xfrm>
-            <a:off x="6173582" y="1631722"/>
+            <a:off x="4538380" y="2847063"/>
             <a:ext cx="16692" cy="3205785"/>
           </a:xfrm>
           <a:prstGeom prst="line">
@@ -3868,7 +3868,7 @@
         </p:nvSpPr>
         <p:spPr>
           <a:xfrm>
-            <a:off x="6095015" y="1928159"/>
+            <a:off x="4459813" y="3143500"/>
             <a:ext cx="154767" cy="494878"/>
           </a:xfrm>
           <a:prstGeom prst="rect">
@@ -3917,7 +3917,7 @@
         </p:nvCxnSpPr>
         <p:spPr>
           <a:xfrm>
-            <a:off x="990600" y="1795399"/>
+            <a:off x="-644602" y="3010740"/>
             <a:ext cx="1119851" cy="0"/>
           </a:xfrm>
           <a:prstGeom prst="straightConnector1">
@@ -3953,7 +3953,7 @@
         </p:nvSpPr>
         <p:spPr>
           <a:xfrm>
-            <a:off x="266700" y="1524000"/>
+            <a:off x="-1368502" y="2739341"/>
             <a:ext cx="1767746" cy="215444"/>
           </a:xfrm>
           <a:prstGeom prst="rect">
@@ -4005,7 +4005,7 @@
         </p:nvCxnSpPr>
         <p:spPr>
           <a:xfrm>
-            <a:off x="4723745" y="1972967"/>
+            <a:off x="3088543" y="3188308"/>
             <a:ext cx="1364110" cy="0"/>
           </a:xfrm>
           <a:prstGeom prst="straightConnector1">
@@ -4041,7 +4041,7 @@
         </p:nvSpPr>
         <p:spPr>
           <a:xfrm>
-            <a:off x="3814921" y="3017471"/>
+            <a:off x="2179719" y="4232812"/>
             <a:ext cx="855809" cy="215444"/>
           </a:xfrm>
           <a:prstGeom prst="rect">
@@ -4083,7 +4083,7 @@
         </p:nvCxnSpPr>
         <p:spPr>
           <a:xfrm>
-            <a:off x="4680608" y="2411632"/>
+            <a:off x="3045406" y="3626973"/>
             <a:ext cx="1492974" cy="0"/>
           </a:xfrm>
           <a:prstGeom prst="straightConnector1">
@@ -4123,7 +4123,7 @@
         </p:nvCxnSpPr>
         <p:spPr>
           <a:xfrm>
-            <a:off x="2262851" y="2667000"/>
+            <a:off x="627649" y="3882341"/>
             <a:ext cx="2348067" cy="0"/>
           </a:xfrm>
           <a:prstGeom prst="straightConnector1">
@@ -4163,7 +4163,7 @@
         </p:nvCxnSpPr>
         <p:spPr>
           <a:xfrm>
-            <a:off x="952499" y="4724400"/>
+            <a:off x="-682703" y="5939741"/>
             <a:ext cx="1196051" cy="0"/>
           </a:xfrm>
           <a:prstGeom prst="straightConnector1">
@@ -4201,7 +4201,7 @@
         </p:nvSpPr>
         <p:spPr>
           <a:xfrm>
-            <a:off x="8302413" y="3264714"/>
+            <a:off x="6667211" y="4480055"/>
             <a:ext cx="161322" cy="1307285"/>
           </a:xfrm>
           <a:prstGeom prst="rect">
@@ -4248,7 +4248,7 @@
         </p:nvSpPr>
         <p:spPr>
           <a:xfrm>
-            <a:off x="2293374" y="1635441"/>
+            <a:off x="658172" y="2850782"/>
             <a:ext cx="2256704" cy="215444"/>
           </a:xfrm>
           <a:prstGeom prst="rect">
@@ -4300,7 +4300,7 @@
         </p:nvSpPr>
         <p:spPr>
           <a:xfrm>
-            <a:off x="3844255" y="4324476"/>
+            <a:off x="2209053" y="5539817"/>
             <a:ext cx="621216" cy="215444"/>
           </a:xfrm>
           <a:prstGeom prst="rect">
@@ -4340,7 +4340,7 @@
         </p:nvSpPr>
         <p:spPr>
           <a:xfrm>
-            <a:off x="1216770" y="4479301"/>
+            <a:off x="-418432" y="5694642"/>
             <a:ext cx="762000" cy="215444"/>
           </a:xfrm>
           <a:prstGeom prst="rect">
@@ -4380,7 +4380,7 @@
         </p:nvSpPr>
         <p:spPr>
           <a:xfrm>
-            <a:off x="3296292" y="2439193"/>
+            <a:off x="1661090" y="3654534"/>
             <a:ext cx="220343" cy="215444"/>
           </a:xfrm>
           <a:prstGeom prst="rect">
@@ -4421,7 +4421,7 @@
         </p:nvSpPr>
         <p:spPr>
           <a:xfrm>
-            <a:off x="7491961" y="1336034"/>
+            <a:off x="5856759" y="2551375"/>
             <a:ext cx="1901758" cy="432035"/>
           </a:xfrm>
           <a:prstGeom prst="rect">
@@ -4497,7 +4497,7 @@
         </p:nvCxnSpPr>
         <p:spPr>
           <a:xfrm>
-            <a:off x="8349781" y="1756497"/>
+            <a:off x="6714579" y="2971838"/>
             <a:ext cx="33293" cy="3296724"/>
           </a:xfrm>
           <a:prstGeom prst="line">
@@ -4534,7 +4534,7 @@
         </p:nvSpPr>
         <p:spPr>
           <a:xfrm>
-            <a:off x="8289784" y="2060158"/>
+            <a:off x="6654582" y="3275499"/>
             <a:ext cx="139932" cy="266380"/>
           </a:xfrm>
           <a:prstGeom prst="rect">
@@ -4583,7 +4583,7 @@
         </p:nvCxnSpPr>
         <p:spPr>
           <a:xfrm flipV="1">
-            <a:off x="6249782" y="2053451"/>
+            <a:off x="4614580" y="3268792"/>
             <a:ext cx="2065628" cy="15567"/>
           </a:xfrm>
           <a:prstGeom prst="straightConnector1">
@@ -4619,7 +4619,7 @@
         </p:nvSpPr>
         <p:spPr>
           <a:xfrm>
-            <a:off x="6044380" y="4791611"/>
+            <a:off x="4409178" y="6006952"/>
             <a:ext cx="258404" cy="261610"/>
           </a:xfrm>
           <a:prstGeom prst="rect">
@@ -4652,7 +4652,7 @@
         </p:nvSpPr>
         <p:spPr>
           <a:xfrm>
-            <a:off x="5564220" y="1190100"/>
+            <a:off x="3929018" y="2405441"/>
             <a:ext cx="1699146" cy="461538"/>
           </a:xfrm>
           <a:prstGeom prst="rect">
@@ -4742,7 +4742,7 @@
         </p:nvCxnSpPr>
         <p:spPr>
           <a:xfrm>
-            <a:off x="2262851" y="3264714"/>
+            <a:off x="627649" y="4480055"/>
             <a:ext cx="6005839" cy="0"/>
           </a:xfrm>
           <a:prstGeom prst="straightConnector1">
@@ -4786,7 +4786,7 @@
         </p:nvCxnSpPr>
         <p:spPr>
           <a:xfrm>
-            <a:off x="2279745" y="1897318"/>
+            <a:off x="644543" y="3112659"/>
             <a:ext cx="2256705" cy="1"/>
           </a:xfrm>
           <a:prstGeom prst="straightConnector1">
@@ -4830,7 +4830,7 @@
         </p:nvCxnSpPr>
         <p:spPr>
           <a:xfrm>
-            <a:off x="2262851" y="4539578"/>
+            <a:off x="627649" y="5754919"/>
             <a:ext cx="6035665" cy="0"/>
           </a:xfrm>
           <a:prstGeom prst="straightConnector1">
@@ -4876,7 +4876,7 @@
         </p:nvCxnSpPr>
         <p:spPr>
           <a:xfrm flipV="1">
-            <a:off x="6151306" y="2341610"/>
+            <a:off x="4516104" y="3556951"/>
             <a:ext cx="2117384" cy="11404"/>
           </a:xfrm>
           <a:prstGeom prst="straightConnector1">
@@ -4920,7 +4920,7 @@
         </p:nvSpPr>
         <p:spPr>
           <a:xfrm>
-            <a:off x="3796226" y="1682176"/>
+            <a:off x="2161024" y="2897517"/>
             <a:ext cx="2256704" cy="215444"/>
           </a:xfrm>
           <a:prstGeom prst="rect">
@@ -4949,6 +4949,583 @@
               <a:rPr lang="en-US" dirty="0"/>
               <a:t>parse(arguments)</a:t>
             </a:r>
+          </a:p>
+        </p:txBody>
+      </p:sp>
+      <p:sp>
+        <p:nvSpPr>
+          <p:cNvPr id="36" name="Rectangle 62">
+            <a:extLst>
+              <a:ext uri="{FF2B5EF4-FFF2-40B4-BE49-F238E27FC236}">
+                <a16:creationId xmlns:a16="http://schemas.microsoft.com/office/drawing/2014/main" id="{7E8EC3B6-5B89-4B81-85EA-D374392A7F2F}"/>
+              </a:ext>
+            </a:extLst>
+          </p:cNvPr>
+          <p:cNvSpPr/>
+          <p:nvPr/>
+        </p:nvSpPr>
+        <p:spPr>
+          <a:xfrm>
+            <a:off x="8265896" y="2362200"/>
+            <a:ext cx="1030504" cy="346760"/>
+          </a:xfrm>
+          <a:prstGeom prst="rect">
+            <a:avLst/>
+          </a:prstGeom>
+          <a:solidFill>
+            <a:schemeClr val="accent4">
+              <a:lumMod val="60000"/>
+              <a:lumOff val="40000"/>
+            </a:schemeClr>
+          </a:solidFill>
+          <a:ln w="19050">
+            <a:solidFill>
+              <a:schemeClr val="accent4">
+                <a:lumMod val="60000"/>
+                <a:lumOff val="40000"/>
+              </a:schemeClr>
+            </a:solidFill>
+          </a:ln>
+          <a:effectLst/>
+        </p:spPr>
+        <p:style>
+          <a:lnRef idx="1">
+            <a:schemeClr val="accent2"/>
+          </a:lnRef>
+          <a:fillRef idx="2">
+            <a:schemeClr val="accent2"/>
+          </a:fillRef>
+          <a:effectRef idx="1">
+            <a:schemeClr val="accent2"/>
+          </a:effectRef>
+          <a:fontRef idx="minor">
+            <a:schemeClr val="dk1"/>
+          </a:fontRef>
+        </p:style>
+        <p:txBody>
+          <a:bodyPr rtlCol="0" anchor="ctr"/>
+          <a:lstStyle/>
+          <a:p>
+            <a:pPr algn="ctr"/>
+            <a:r>
+              <a:rPr lang="en-US" sz="1600" dirty="0">
+                <a:solidFill>
+                  <a:schemeClr val="bg1"/>
+                </a:solidFill>
+              </a:rPr>
+              <a:t>:Model</a:t>
+            </a:r>
+            <a:endParaRPr lang="en-SG" sz="1600" dirty="0">
+              <a:solidFill>
+                <a:schemeClr val="bg1"/>
+              </a:solidFill>
+            </a:endParaRPr>
+          </a:p>
+        </p:txBody>
+      </p:sp>
+      <p:cxnSp>
+        <p:nvCxnSpPr>
+          <p:cNvPr id="38" name="Straight Connector 37">
+            <a:extLst>
+              <a:ext uri="{FF2B5EF4-FFF2-40B4-BE49-F238E27FC236}">
+                <a16:creationId xmlns:a16="http://schemas.microsoft.com/office/drawing/2014/main" id="{F03A50E8-4730-4436-887E-C8F64E04F7D6}"/>
+              </a:ext>
+            </a:extLst>
+          </p:cNvPr>
+          <p:cNvCxnSpPr/>
+          <p:nvPr/>
+        </p:nvCxnSpPr>
+        <p:spPr>
+          <a:xfrm>
+            <a:off x="8781148" y="2700858"/>
+            <a:ext cx="0" cy="2830598"/>
+          </a:xfrm>
+          <a:prstGeom prst="line">
+            <a:avLst/>
+          </a:prstGeom>
+          <a:ln w="19050">
+            <a:solidFill>
+              <a:schemeClr val="accent4">
+                <a:lumMod val="60000"/>
+                <a:lumOff val="40000"/>
+              </a:schemeClr>
+            </a:solidFill>
+            <a:prstDash val="sysDash"/>
+          </a:ln>
+          <a:effectLst/>
+        </p:spPr>
+        <p:style>
+          <a:lnRef idx="1">
+            <a:schemeClr val="accent1"/>
+          </a:lnRef>
+          <a:fillRef idx="2">
+            <a:schemeClr val="accent1"/>
+          </a:fillRef>
+          <a:effectRef idx="1">
+            <a:schemeClr val="accent1"/>
+          </a:effectRef>
+          <a:fontRef idx="minor">
+            <a:schemeClr val="dk1"/>
+          </a:fontRef>
+        </p:style>
+      </p:cxnSp>
+      <p:sp>
+        <p:nvSpPr>
+          <p:cNvPr id="42" name="Rectangle 41">
+            <a:extLst>
+              <a:ext uri="{FF2B5EF4-FFF2-40B4-BE49-F238E27FC236}">
+                <a16:creationId xmlns:a16="http://schemas.microsoft.com/office/drawing/2014/main" id="{AD75D786-A0DE-4060-B4FA-5DCBF5D0107F}"/>
+              </a:ext>
+            </a:extLst>
+          </p:cNvPr>
+          <p:cNvSpPr/>
+          <p:nvPr/>
+        </p:nvSpPr>
+        <p:spPr>
+          <a:xfrm>
+            <a:off x="7686353" y="5628392"/>
+            <a:ext cx="170880" cy="126528"/>
+          </a:xfrm>
+          <a:prstGeom prst="rect">
+            <a:avLst/>
+          </a:prstGeom>
+          <a:solidFill>
+            <a:srgbClr val="0070C0"/>
+          </a:solidFill>
+          <a:ln>
+            <a:solidFill>
+              <a:srgbClr val="0070C0"/>
+            </a:solidFill>
+          </a:ln>
+          <a:effectLst/>
+        </p:spPr>
+        <p:style>
+          <a:lnRef idx="1">
+            <a:schemeClr val="accent3"/>
+          </a:lnRef>
+          <a:fillRef idx="2">
+            <a:schemeClr val="accent3"/>
+          </a:fillRef>
+          <a:effectRef idx="1">
+            <a:schemeClr val="accent3"/>
+          </a:effectRef>
+          <a:fontRef idx="minor">
+            <a:schemeClr val="dk1"/>
+          </a:fontRef>
+        </p:style>
+        <p:txBody>
+          <a:bodyPr rtlCol="0" anchor="ctr"/>
+          <a:lstStyle/>
+          <a:p>
+            <a:pPr algn="ctr"/>
+            <a:endParaRPr lang="en-SG" sz="1400"/>
+          </a:p>
+        </p:txBody>
+      </p:sp>
+      <p:cxnSp>
+        <p:nvCxnSpPr>
+          <p:cNvPr id="44" name="Straight Arrow Connector 43">
+            <a:extLst>
+              <a:ext uri="{FF2B5EF4-FFF2-40B4-BE49-F238E27FC236}">
+                <a16:creationId xmlns:a16="http://schemas.microsoft.com/office/drawing/2014/main" id="{12D67ABC-CEEB-4448-8AE1-1C01255F0BC8}"/>
+              </a:ext>
+            </a:extLst>
+          </p:cNvPr>
+          <p:cNvCxnSpPr>
+            <a:cxnSpLocks/>
+            <a:endCxn id="42" idx="2"/>
+          </p:cNvCxnSpPr>
+          <p:nvPr/>
+        </p:nvCxnSpPr>
+        <p:spPr>
+          <a:xfrm>
+            <a:off x="6848774" y="5754919"/>
+            <a:ext cx="923019" cy="1"/>
+          </a:xfrm>
+          <a:prstGeom prst="straightConnector1">
+            <a:avLst/>
+          </a:prstGeom>
+          <a:ln w="19050">
+            <a:solidFill>
+              <a:srgbClr val="0070C0"/>
+            </a:solidFill>
+            <a:prstDash val="sysDash"/>
+            <a:headEnd type="arrow" w="med" len="med"/>
+            <a:tailEnd type="none" w="med" len="med"/>
+          </a:ln>
+        </p:spPr>
+        <p:style>
+          <a:lnRef idx="1">
+            <a:schemeClr val="accent1"/>
+          </a:lnRef>
+          <a:fillRef idx="0">
+            <a:schemeClr val="accent1"/>
+          </a:fillRef>
+          <a:effectRef idx="0">
+            <a:schemeClr val="accent1"/>
+          </a:effectRef>
+          <a:fontRef idx="minor">
+            <a:schemeClr val="tx1"/>
+          </a:fontRef>
+        </p:style>
+      </p:cxnSp>
+      <p:cxnSp>
+        <p:nvCxnSpPr>
+          <p:cNvPr id="45" name="Straight Arrow Connector 44">
+            <a:extLst>
+              <a:ext uri="{FF2B5EF4-FFF2-40B4-BE49-F238E27FC236}">
+                <a16:creationId xmlns:a16="http://schemas.microsoft.com/office/drawing/2014/main" id="{C1CCAFA5-D402-45C1-9EA5-BB8B817CC2C4}"/>
+              </a:ext>
+            </a:extLst>
+          </p:cNvPr>
+          <p:cNvCxnSpPr/>
+          <p:nvPr/>
+        </p:nvCxnSpPr>
+        <p:spPr>
+          <a:xfrm flipV="1">
+            <a:off x="6848774" y="5113303"/>
+            <a:ext cx="1838026" cy="0"/>
+          </a:xfrm>
+          <a:prstGeom prst="straightConnector1">
+            <a:avLst/>
+          </a:prstGeom>
+          <a:ln w="19050">
+            <a:solidFill>
+              <a:schemeClr val="accent4">
+                <a:lumMod val="60000"/>
+                <a:lumOff val="40000"/>
+              </a:schemeClr>
+            </a:solidFill>
+            <a:prstDash val="sysDash"/>
+            <a:headEnd type="arrow" w="med" len="med"/>
+            <a:tailEnd type="none" w="med" len="med"/>
+          </a:ln>
+        </p:spPr>
+        <p:style>
+          <a:lnRef idx="1">
+            <a:schemeClr val="accent1"/>
+          </a:lnRef>
+          <a:fillRef idx="0">
+            <a:schemeClr val="accent1"/>
+          </a:fillRef>
+          <a:effectRef idx="0">
+            <a:schemeClr val="accent1"/>
+          </a:effectRef>
+          <a:fontRef idx="minor">
+            <a:schemeClr val="tx1"/>
+          </a:fontRef>
+        </p:style>
+      </p:cxnSp>
+      <p:sp>
+        <p:nvSpPr>
+          <p:cNvPr id="47" name="Rectangle 46">
+            <a:extLst>
+              <a:ext uri="{FF2B5EF4-FFF2-40B4-BE49-F238E27FC236}">
+                <a16:creationId xmlns:a16="http://schemas.microsoft.com/office/drawing/2014/main" id="{C044AFD8-9597-4FA5-93BA-E1F6B512DE81}"/>
+              </a:ext>
+            </a:extLst>
+          </p:cNvPr>
+          <p:cNvSpPr/>
+          <p:nvPr/>
+        </p:nvSpPr>
+        <p:spPr>
+          <a:xfrm>
+            <a:off x="6794375" y="4703544"/>
+            <a:ext cx="2166258" cy="307777"/>
+          </a:xfrm>
+          <a:prstGeom prst="rect">
+            <a:avLst/>
+          </a:prstGeom>
+        </p:spPr>
+        <p:txBody>
+          <a:bodyPr wrap="square">
+            <a:spAutoFit/>
+          </a:bodyPr>
+          <a:lstStyle/>
+          <a:p>
+            <a:r>
+              <a:rPr lang="en-US" sz="1400">
+                <a:solidFill>
+                  <a:srgbClr val="7030A0"/>
+                </a:solidFill>
+              </a:rPr>
+              <a:t>updateFilteredPersonList</a:t>
+            </a:r>
+            <a:r>
+              <a:rPr lang="en-US" sz="1400" dirty="0">
+                <a:solidFill>
+                  <a:srgbClr val="7030A0"/>
+                </a:solidFill>
+              </a:rPr>
+              <a:t>()</a:t>
+            </a:r>
+          </a:p>
+        </p:txBody>
+      </p:sp>
+      <p:cxnSp>
+        <p:nvCxnSpPr>
+          <p:cNvPr id="51" name="Straight Arrow Connector 50">
+            <a:extLst>
+              <a:ext uri="{FF2B5EF4-FFF2-40B4-BE49-F238E27FC236}">
+                <a16:creationId xmlns:a16="http://schemas.microsoft.com/office/drawing/2014/main" id="{59CE0DA7-6C40-477D-9EE5-7BE0D71AEA4A}"/>
+              </a:ext>
+            </a:extLst>
+          </p:cNvPr>
+          <p:cNvCxnSpPr/>
+          <p:nvPr/>
+        </p:nvCxnSpPr>
+        <p:spPr>
+          <a:xfrm>
+            <a:off x="6850663" y="4524597"/>
+            <a:ext cx="1836137" cy="0"/>
+          </a:xfrm>
+          <a:prstGeom prst="straightConnector1">
+            <a:avLst/>
+          </a:prstGeom>
+          <a:ln w="19050">
+            <a:solidFill>
+              <a:srgbClr val="0070C0"/>
+            </a:solidFill>
+            <a:tailEnd type="arrow"/>
+          </a:ln>
+        </p:spPr>
+        <p:style>
+          <a:lnRef idx="1">
+            <a:schemeClr val="accent1"/>
+          </a:lnRef>
+          <a:fillRef idx="0">
+            <a:schemeClr val="accent1"/>
+          </a:fillRef>
+          <a:effectRef idx="0">
+            <a:schemeClr val="accent1"/>
+          </a:effectRef>
+          <a:fontRef idx="minor">
+            <a:schemeClr val="tx1"/>
+          </a:fontRef>
+        </p:style>
+      </p:cxnSp>
+      <p:sp>
+        <p:nvSpPr>
+          <p:cNvPr id="53" name="Rectangle 62">
+            <a:extLst>
+              <a:ext uri="{FF2B5EF4-FFF2-40B4-BE49-F238E27FC236}">
+                <a16:creationId xmlns:a16="http://schemas.microsoft.com/office/drawing/2014/main" id="{C1B7FDCC-33BF-4591-A70D-5C5F79C78068}"/>
+              </a:ext>
+            </a:extLst>
+          </p:cNvPr>
+          <p:cNvSpPr/>
+          <p:nvPr/>
+        </p:nvSpPr>
+        <p:spPr>
+          <a:xfrm>
+            <a:off x="7020246" y="5166210"/>
+            <a:ext cx="1590354" cy="461538"/>
+          </a:xfrm>
+          <a:prstGeom prst="rect">
+            <a:avLst/>
+          </a:prstGeom>
+          <a:solidFill>
+            <a:srgbClr val="0070C0"/>
+          </a:solidFill>
+          <a:ln w="19050">
+            <a:solidFill>
+              <a:srgbClr val="0070C0"/>
+            </a:solidFill>
+          </a:ln>
+          <a:effectLst/>
+        </p:spPr>
+        <p:style>
+          <a:lnRef idx="1">
+            <a:schemeClr val="accent2"/>
+          </a:lnRef>
+          <a:fillRef idx="2">
+            <a:schemeClr val="accent2"/>
+          </a:fillRef>
+          <a:effectRef idx="1">
+            <a:schemeClr val="accent2"/>
+          </a:effectRef>
+          <a:fontRef idx="minor">
+            <a:schemeClr val="dk1"/>
+          </a:fontRef>
+        </p:style>
+        <p:txBody>
+          <a:bodyPr rtlCol="0" anchor="ctr"/>
+          <a:lstStyle/>
+          <a:p>
+            <a:pPr algn="ctr"/>
+            <a:r>
+              <a:rPr lang="en-US" sz="1600" dirty="0" err="1">
+                <a:solidFill>
+                  <a:schemeClr val="bg1"/>
+                </a:solidFill>
+              </a:rPr>
+              <a:t>result:Command</a:t>
+            </a:r>
+            <a:r>
+              <a:rPr lang="en-US" sz="1600" dirty="0">
+                <a:solidFill>
+                  <a:schemeClr val="bg1"/>
+                </a:solidFill>
+              </a:rPr>
+              <a:t> Result</a:t>
+            </a:r>
+            <a:endParaRPr lang="en-SG" sz="1600" dirty="0">
+              <a:solidFill>
+                <a:schemeClr val="bg1"/>
+              </a:solidFill>
+            </a:endParaRPr>
+          </a:p>
+        </p:txBody>
+      </p:sp>
+      <p:cxnSp>
+        <p:nvCxnSpPr>
+          <p:cNvPr id="54" name="Straight Arrow Connector 53">
+            <a:extLst>
+              <a:ext uri="{FF2B5EF4-FFF2-40B4-BE49-F238E27FC236}">
+                <a16:creationId xmlns:a16="http://schemas.microsoft.com/office/drawing/2014/main" id="{EBC38758-746B-4568-B262-896517029114}"/>
+              </a:ext>
+            </a:extLst>
+          </p:cNvPr>
+          <p:cNvCxnSpPr>
+            <a:endCxn id="53" idx="1"/>
+          </p:cNvCxnSpPr>
+          <p:nvPr/>
+        </p:nvCxnSpPr>
+        <p:spPr>
+          <a:xfrm>
+            <a:off x="6772574" y="5396979"/>
+            <a:ext cx="247672" cy="0"/>
+          </a:xfrm>
+          <a:prstGeom prst="straightConnector1">
+            <a:avLst/>
+          </a:prstGeom>
+          <a:ln w="19050">
+            <a:headEnd type="none" w="med" len="med"/>
+            <a:tailEnd type="arrow" w="med" len="med"/>
+          </a:ln>
+        </p:spPr>
+        <p:style>
+          <a:lnRef idx="1">
+            <a:schemeClr val="accent1"/>
+          </a:lnRef>
+          <a:fillRef idx="0">
+            <a:schemeClr val="accent1"/>
+          </a:fillRef>
+          <a:effectRef idx="0">
+            <a:schemeClr val="accent1"/>
+          </a:effectRef>
+          <a:fontRef idx="minor">
+            <a:schemeClr val="tx1"/>
+          </a:fontRef>
+        </p:style>
+      </p:cxnSp>
+      <p:cxnSp>
+        <p:nvCxnSpPr>
+          <p:cNvPr id="55" name="Straight Arrow Connector 54">
+            <a:extLst>
+              <a:ext uri="{FF2B5EF4-FFF2-40B4-BE49-F238E27FC236}">
+                <a16:creationId xmlns:a16="http://schemas.microsoft.com/office/drawing/2014/main" id="{0EF90F95-3BB7-4AA5-A06C-7B9BC497CBD7}"/>
+              </a:ext>
+            </a:extLst>
+          </p:cNvPr>
+          <p:cNvCxnSpPr/>
+          <p:nvPr/>
+        </p:nvCxnSpPr>
+        <p:spPr>
+          <a:xfrm flipV="1">
+            <a:off x="6848774" y="5113303"/>
+            <a:ext cx="1838026" cy="0"/>
+          </a:xfrm>
+          <a:prstGeom prst="straightConnector1">
+            <a:avLst/>
+          </a:prstGeom>
+          <a:ln w="19050">
+            <a:solidFill>
+              <a:schemeClr val="accent4">
+                <a:lumMod val="60000"/>
+                <a:lumOff val="40000"/>
+              </a:schemeClr>
+            </a:solidFill>
+            <a:prstDash val="sysDash"/>
+            <a:headEnd type="arrow" w="med" len="med"/>
+            <a:tailEnd type="none" w="med" len="med"/>
+          </a:ln>
+        </p:spPr>
+        <p:style>
+          <a:lnRef idx="1">
+            <a:schemeClr val="accent1"/>
+          </a:lnRef>
+          <a:fillRef idx="0">
+            <a:schemeClr val="accent1"/>
+          </a:fillRef>
+          <a:effectRef idx="0">
+            <a:schemeClr val="accent1"/>
+          </a:effectRef>
+          <a:fontRef idx="minor">
+            <a:schemeClr val="tx1"/>
+          </a:fontRef>
+        </p:style>
+      </p:cxnSp>
+      <p:sp>
+        <p:nvSpPr>
+          <p:cNvPr id="56" name="Rectangle 55">
+            <a:extLst>
+              <a:ext uri="{FF2B5EF4-FFF2-40B4-BE49-F238E27FC236}">
+                <a16:creationId xmlns:a16="http://schemas.microsoft.com/office/drawing/2014/main" id="{A529F9AA-569C-446F-9215-BA461DDCF0D2}"/>
+              </a:ext>
+            </a:extLst>
+          </p:cNvPr>
+          <p:cNvSpPr/>
+          <p:nvPr/>
+        </p:nvSpPr>
+        <p:spPr>
+          <a:xfrm>
+            <a:off x="8686800" y="4524597"/>
+            <a:ext cx="161071" cy="641613"/>
+          </a:xfrm>
+          <a:prstGeom prst="rect">
+            <a:avLst/>
+          </a:prstGeom>
+          <a:solidFill>
+            <a:schemeClr val="accent4">
+              <a:lumMod val="60000"/>
+              <a:lumOff val="40000"/>
+            </a:schemeClr>
+          </a:solidFill>
+          <a:ln>
+            <a:solidFill>
+              <a:schemeClr val="accent4">
+                <a:lumMod val="60000"/>
+                <a:lumOff val="40000"/>
+              </a:schemeClr>
+            </a:solidFill>
+          </a:ln>
+          <a:effectLst/>
+        </p:spPr>
+        <p:style>
+          <a:lnRef idx="1">
+            <a:schemeClr val="accent3"/>
+          </a:lnRef>
+          <a:fillRef idx="2">
+            <a:schemeClr val="accent3"/>
+          </a:fillRef>
+          <a:effectRef idx="1">
+            <a:schemeClr val="accent3"/>
+          </a:effectRef>
+          <a:fontRef idx="minor">
+            <a:schemeClr val="dk1"/>
+          </a:fontRef>
+        </p:style>
+        <p:txBody>
+          <a:bodyPr rtlCol="0" anchor="ctr"/>
+          <a:lstStyle/>
+          <a:p>
+            <a:pPr algn="ctr"/>
+            <a:endParaRPr lang="en-SG" sz="1400">
+              <a:solidFill>
+                <a:schemeClr val="dk1"/>
+              </a:solidFill>
+            </a:endParaRPr>
           </a:p>
         </p:txBody>
       </p:sp>
